--- a/Day2/PythonDataAnalysis.pptx
+++ b/Day2/PythonDataAnalysis.pptx
@@ -5902,7 +5902,7 @@
         <p:spPr>
           <a:xfrm>
             <a:off x="574803" y="154984"/>
-            <a:ext cx="6516528" cy="923330"/>
+            <a:ext cx="6389891" cy="1200329"/>
           </a:xfrm>
           <a:prstGeom prst="rect">
             <a:avLst/>
@@ -6001,6 +6001,38 @@
               </a:rPr>
               <a:t>read_table</a:t>
             </a:r>
+            <a:endParaRPr lang="en-US" dirty="0">
+              <a:solidFill>
+                <a:schemeClr val="bg1">
+                  <a:lumMod val="85000"/>
+                </a:schemeClr>
+              </a:solidFill>
+              <a:latin typeface="Consolas" panose="020B0609020204030204" pitchFamily="49" charset="0"/>
+            </a:endParaRPr>
+          </a:p>
+          <a:p>
+            <a:r>
+              <a:rPr lang="en-US" dirty="0" smtClean="0">
+                <a:solidFill>
+                  <a:schemeClr val="bg1">
+                    <a:lumMod val="85000"/>
+                  </a:schemeClr>
+                </a:solidFill>
+                <a:latin typeface="Consolas" panose="020B0609020204030204" pitchFamily="49" charset="0"/>
+              </a:rPr>
+              <a:t>        </a:t>
+            </a:r>
+            <a:r>
+              <a:rPr lang="en-US" dirty="0" err="1" smtClean="0">
+                <a:solidFill>
+                  <a:schemeClr val="bg1">
+                    <a:lumMod val="85000"/>
+                  </a:schemeClr>
+                </a:solidFill>
+                <a:latin typeface="Consolas" panose="020B0609020204030204" pitchFamily="49" charset="0"/>
+              </a:rPr>
+              <a:t>read_sql</a:t>
+            </a:r>
             <a:endParaRPr lang="en-US" dirty="0" smtClean="0">
               <a:solidFill>
                 <a:schemeClr val="bg1">
@@ -6074,8 +6106,8 @@
         </p:nvSpPr>
         <p:spPr>
           <a:xfrm>
-            <a:off x="447802" y="5722941"/>
-            <a:ext cx="4490332" cy="923330"/>
+            <a:off x="464632" y="5319034"/>
+            <a:ext cx="4490332" cy="1200329"/>
           </a:xfrm>
           <a:prstGeom prst="rect">
             <a:avLst/>
@@ -6131,6 +6163,49 @@
                 <a:latin typeface="Consolas" panose="020B0609020204030204" pitchFamily="49" charset="0"/>
               </a:rPr>
               <a:t>to_json</a:t>
+            </a:r>
+            <a:endParaRPr lang="en-US" dirty="0" smtClean="0">
+              <a:solidFill>
+                <a:schemeClr val="bg1">
+                  <a:lumMod val="85000"/>
+                </a:schemeClr>
+              </a:solidFill>
+              <a:latin typeface="Consolas" panose="020B0609020204030204" pitchFamily="49" charset="0"/>
+            </a:endParaRPr>
+          </a:p>
+          <a:p>
+            <a:r>
+              <a:rPr lang="en-US" dirty="0">
+                <a:solidFill>
+                  <a:schemeClr val="bg1">
+                    <a:lumMod val="85000"/>
+                  </a:schemeClr>
+                </a:solidFill>
+                <a:latin typeface="Consolas" panose="020B0609020204030204" pitchFamily="49" charset="0"/>
+              </a:rPr>
+              <a:t> </a:t>
+            </a:r>
+            <a:r>
+              <a:rPr lang="en-US" dirty="0" smtClean="0">
+                <a:solidFill>
+                  <a:schemeClr val="bg1">
+                    <a:lumMod val="85000"/>
+                  </a:schemeClr>
+                </a:solidFill>
+                <a:latin typeface="Consolas" panose="020B0609020204030204" pitchFamily="49" charset="0"/>
+              </a:rPr>
+              <a:t>   </a:t>
+            </a:r>
+            <a:r>
+              <a:rPr lang="en-US" dirty="0" err="1" smtClean="0">
+                <a:solidFill>
+                  <a:schemeClr val="bg1">
+                    <a:lumMod val="85000"/>
+                  </a:schemeClr>
+                </a:solidFill>
+                <a:latin typeface="Consolas" panose="020B0609020204030204" pitchFamily="49" charset="0"/>
+              </a:rPr>
+              <a:t>to_sql</a:t>
             </a:r>
             <a:endParaRPr lang="en-US" dirty="0" smtClean="0">
               <a:solidFill>
@@ -8326,20 +8401,12 @@
               <a:rPr lang="en-US" dirty="0" smtClean="0"/>
               <a:t> Plots </a:t>
             </a:r>
-            <a:r>
-              <a:rPr lang="en-US" dirty="0" smtClean="0"/>
-              <a:t/>
-            </a:r>
             <a:br>
               <a:rPr lang="en-US" dirty="0" smtClean="0"/>
             </a:br>
             <a:r>
               <a:rPr lang="en-US" dirty="0" smtClean="0"/>
-              <a:t>Follow </a:t>
-            </a:r>
-            <a:r>
-              <a:rPr lang="en-US" dirty="0" smtClean="0"/>
-              <a:t>the Same Recipe</a:t>
+              <a:t>Follow the Same Recipe</a:t>
             </a:r>
             <a:endParaRPr lang="en-US" dirty="0"/>
           </a:p>
@@ -9958,11 +10025,7 @@
             </a:r>
             <a:r>
               <a:rPr lang="en-US" dirty="0" smtClean="0"/>
-              <a:t>selects files based on wildcard </a:t>
-            </a:r>
-            <a:r>
-              <a:rPr lang="en-US" dirty="0" smtClean="0"/>
-              <a:t>characters</a:t>
+              <a:t>selects files based on wildcard characters</a:t>
             </a:r>
           </a:p>
           <a:p>
@@ -10221,11 +10284,7 @@
             </a:r>
             <a:r>
               <a:rPr lang="en-US" sz="2400" dirty="0" smtClean="0"/>
-              <a:t>Interact with SWMM </a:t>
-            </a:r>
-            <a:r>
-              <a:rPr lang="en-US" sz="2400" dirty="0" smtClean="0"/>
-              <a:t>models</a:t>
+              <a:t>Interact with SWMM models</a:t>
             </a:r>
           </a:p>
           <a:p>
@@ -10748,13 +10807,8 @@
             <a:pPr lvl="1"/>
             <a:r>
               <a:rPr lang="en-US" dirty="0" smtClean="0"/>
-              <a:t>Other Python </a:t>
-            </a:r>
-            <a:r>
-              <a:rPr lang="en-US" dirty="0" smtClean="0"/>
-              <a:t>modules and projects</a:t>
-            </a:r>
-            <a:endParaRPr lang="en-US" dirty="0" smtClean="0"/>
+              <a:t>Other Python modules and projects</a:t>
+            </a:r>
           </a:p>
           <a:p>
             <a:pPr lvl="1"/>
@@ -11732,7 +11786,7 @@
         <p:spPr/>
         <p:txBody>
           <a:bodyPr>
-            <a:normAutofit fontScale="92500" lnSpcReduction="10000"/>
+            <a:normAutofit fontScale="70000" lnSpcReduction="20000"/>
           </a:bodyPr>
           <a:lstStyle/>
           <a:p>
@@ -11807,7 +11861,13 @@
               <a:rPr lang="en-US" dirty="0" smtClean="0">
                 <a:latin typeface="Consolas" panose="020B0609020204030204" pitchFamily="49" charset="0"/>
               </a:rPr>
-              <a:t>Pandas will guess at unknowns (it does a decent job)</a:t>
+              <a:t>Pandas will guess at unknowns (it does a decent job</a:t>
+            </a:r>
+            <a:r>
+              <a:rPr lang="en-US" dirty="0" smtClean="0">
+                <a:latin typeface="Consolas" panose="020B0609020204030204" pitchFamily="49" charset="0"/>
+              </a:rPr>
+              <a:t>)</a:t>
             </a:r>
           </a:p>
           <a:p>
@@ -11816,8 +11876,44 @@
               <a:rPr lang="en-US" dirty="0" smtClean="0">
                 <a:latin typeface="Consolas" panose="020B0609020204030204" pitchFamily="49" charset="0"/>
               </a:rPr>
-              <a:t>Set it and forget it. It’s worth it.</a:t>
-            </a:r>
+              <a:t>Pandas will parse dates very well</a:t>
+            </a:r>
+            <a:endParaRPr lang="en-US" dirty="0" smtClean="0">
+              <a:latin typeface="Consolas" panose="020B0609020204030204" pitchFamily="49" charset="0"/>
+            </a:endParaRPr>
+          </a:p>
+          <a:p>
+            <a:pPr lvl="2"/>
+            <a:r>
+              <a:rPr lang="en-US" dirty="0" smtClean="0">
+                <a:latin typeface="Consolas" panose="020B0609020204030204" pitchFamily="49" charset="0"/>
+              </a:rPr>
+              <a:t>Set it and forget it. It’s worth it</a:t>
+            </a:r>
+            <a:r>
+              <a:rPr lang="en-US" dirty="0" smtClean="0">
+                <a:latin typeface="Consolas" panose="020B0609020204030204" pitchFamily="49" charset="0"/>
+              </a:rPr>
+              <a:t>.</a:t>
+            </a:r>
+          </a:p>
+          <a:p>
+            <a:pPr lvl="2"/>
+            <a:r>
+              <a:rPr lang="en-US" dirty="0" smtClean="0">
+                <a:latin typeface="Consolas" panose="020B0609020204030204" pitchFamily="49" charset="0"/>
+              </a:rPr>
+              <a:t>If you have problems reading a CSV file, it’s probably </a:t>
+            </a:r>
+            <a:r>
+              <a:rPr lang="en-US" smtClean="0">
+                <a:latin typeface="Consolas" panose="020B0609020204030204" pitchFamily="49" charset="0"/>
+              </a:rPr>
+              <a:t>Excel’s fault</a:t>
+            </a:r>
+            <a:endParaRPr lang="en-US" dirty="0" smtClean="0">
+              <a:latin typeface="Consolas" panose="020B0609020204030204" pitchFamily="49" charset="0"/>
+            </a:endParaRPr>
           </a:p>
           <a:p>
             <a:pPr lvl="1"/>
@@ -11901,7 +11997,46 @@
               <a:rPr lang="en-US" dirty="0" smtClean="0">
                 <a:latin typeface="Consolas" panose="020B0609020204030204" pitchFamily="49" charset="0"/>
               </a:rPr>
-              <a:t>’)</a:t>
+              <a:t>’) OR to a database:</a:t>
+            </a:r>
+          </a:p>
+          <a:p>
+            <a:pPr lvl="1"/>
+            <a:r>
+              <a:rPr lang="en-US" dirty="0" err="1" smtClean="0">
+                <a:latin typeface="Consolas" panose="020B0609020204030204" pitchFamily="49" charset="0"/>
+              </a:rPr>
+              <a:t>df.to_sql</a:t>
+            </a:r>
+            <a:r>
+              <a:rPr lang="en-US" dirty="0" smtClean="0">
+                <a:latin typeface="Consolas" panose="020B0609020204030204" pitchFamily="49" charset="0"/>
+              </a:rPr>
+              <a:t>(‘</a:t>
+            </a:r>
+            <a:r>
+              <a:rPr lang="en-US" dirty="0" err="1" smtClean="0">
+                <a:latin typeface="Consolas" panose="020B0609020204030204" pitchFamily="49" charset="0"/>
+              </a:rPr>
+              <a:t>tablename</a:t>
+            </a:r>
+            <a:r>
+              <a:rPr lang="en-US" dirty="0" smtClean="0">
+                <a:latin typeface="Consolas" panose="020B0609020204030204" pitchFamily="49" charset="0"/>
+              </a:rPr>
+              <a:t>’,con=</a:t>
+            </a:r>
+            <a:r>
+              <a:rPr lang="en-US" dirty="0" err="1" smtClean="0">
+                <a:latin typeface="Consolas" panose="020B0609020204030204" pitchFamily="49" charset="0"/>
+              </a:rPr>
+              <a:t>enginename</a:t>
+            </a:r>
+            <a:r>
+              <a:rPr lang="en-US" dirty="0" smtClean="0">
+                <a:latin typeface="Consolas" panose="020B0609020204030204" pitchFamily="49" charset="0"/>
+              </a:rPr>
+              <a:t>) #requires one other line of code above</a:t>
             </a:r>
             <a:endParaRPr lang="en-US" dirty="0">
               <a:latin typeface="Consolas" panose="020B0609020204030204" pitchFamily="49" charset="0"/>
